--- a/Movie_Analysis.pptx
+++ b/Movie_Analysis.pptx
@@ -30237,7 +30237,11 @@
             </a:pPr>
             <a:r>
               <a:rPr lang="en-US" sz="2800" dirty="0"/>
-              <a:t>For future analysis, it would be interesting to find out the significance of the features filtered by country as this dataset focused on movies around the world. We are interested to learn about movies released in the U.S. </a:t>
+              <a:t>For future analysis, it would be interesting to find out the significance of the features filtered by country as this dataset focused on movies around the world. We are interested to learn about movies released in the U.S and how they compare to the rest of </a:t>
+            </a:r>
+            <a:r>
+              <a:rPr lang="en-US" sz="2800"/>
+              <a:t>the world.</a:t>
             </a:r>
             <a:endParaRPr sz="2800" dirty="0"/>
           </a:p>
